--- a/table1_1.pptx
+++ b/table1_1.pptx
@@ -243,7 +243,7 @@
           <a:p>
             <a:fld id="{4EA1F6FD-E570-49E4-ADDB-683FCB8AA891}" type="datetimeFigureOut">
               <a:rPr lang="en-US" smtClean="0"/>
-              <a:t>2/10/2023</a:t>
+              <a:t>4/20/2023</a:t>
             </a:fld>
             <a:endParaRPr lang="en-US"/>
           </a:p>
@@ -413,7 +413,7 @@
           <a:p>
             <a:fld id="{4EA1F6FD-E570-49E4-ADDB-683FCB8AA891}" type="datetimeFigureOut">
               <a:rPr lang="en-US" smtClean="0"/>
-              <a:t>2/10/2023</a:t>
+              <a:t>4/20/2023</a:t>
             </a:fld>
             <a:endParaRPr lang="en-US"/>
           </a:p>
@@ -593,7 +593,7 @@
           <a:p>
             <a:fld id="{4EA1F6FD-E570-49E4-ADDB-683FCB8AA891}" type="datetimeFigureOut">
               <a:rPr lang="en-US" smtClean="0"/>
-              <a:t>2/10/2023</a:t>
+              <a:t>4/20/2023</a:t>
             </a:fld>
             <a:endParaRPr lang="en-US"/>
           </a:p>
@@ -763,7 +763,7 @@
           <a:p>
             <a:fld id="{4EA1F6FD-E570-49E4-ADDB-683FCB8AA891}" type="datetimeFigureOut">
               <a:rPr lang="en-US" smtClean="0"/>
-              <a:t>2/10/2023</a:t>
+              <a:t>4/20/2023</a:t>
             </a:fld>
             <a:endParaRPr lang="en-US"/>
           </a:p>
@@ -1007,7 +1007,7 @@
           <a:p>
             <a:fld id="{4EA1F6FD-E570-49E4-ADDB-683FCB8AA891}" type="datetimeFigureOut">
               <a:rPr lang="en-US" smtClean="0"/>
-              <a:t>2/10/2023</a:t>
+              <a:t>4/20/2023</a:t>
             </a:fld>
             <a:endParaRPr lang="en-US"/>
           </a:p>
@@ -1239,7 +1239,7 @@
           <a:p>
             <a:fld id="{4EA1F6FD-E570-49E4-ADDB-683FCB8AA891}" type="datetimeFigureOut">
               <a:rPr lang="en-US" smtClean="0"/>
-              <a:t>2/10/2023</a:t>
+              <a:t>4/20/2023</a:t>
             </a:fld>
             <a:endParaRPr lang="en-US"/>
           </a:p>
@@ -1606,7 +1606,7 @@
           <a:p>
             <a:fld id="{4EA1F6FD-E570-49E4-ADDB-683FCB8AA891}" type="datetimeFigureOut">
               <a:rPr lang="en-US" smtClean="0"/>
-              <a:t>2/10/2023</a:t>
+              <a:t>4/20/2023</a:t>
             </a:fld>
             <a:endParaRPr lang="en-US"/>
           </a:p>
@@ -1724,7 +1724,7 @@
           <a:p>
             <a:fld id="{4EA1F6FD-E570-49E4-ADDB-683FCB8AA891}" type="datetimeFigureOut">
               <a:rPr lang="en-US" smtClean="0"/>
-              <a:t>2/10/2023</a:t>
+              <a:t>4/20/2023</a:t>
             </a:fld>
             <a:endParaRPr lang="en-US"/>
           </a:p>
@@ -1819,7 +1819,7 @@
           <a:p>
             <a:fld id="{4EA1F6FD-E570-49E4-ADDB-683FCB8AA891}" type="datetimeFigureOut">
               <a:rPr lang="en-US" smtClean="0"/>
-              <a:t>2/10/2023</a:t>
+              <a:t>4/20/2023</a:t>
             </a:fld>
             <a:endParaRPr lang="en-US"/>
           </a:p>
@@ -2096,7 +2096,7 @@
           <a:p>
             <a:fld id="{4EA1F6FD-E570-49E4-ADDB-683FCB8AA891}" type="datetimeFigureOut">
               <a:rPr lang="en-US" smtClean="0"/>
-              <a:t>2/10/2023</a:t>
+              <a:t>4/20/2023</a:t>
             </a:fld>
             <a:endParaRPr lang="en-US"/>
           </a:p>
@@ -2353,7 +2353,7 @@
           <a:p>
             <a:fld id="{4EA1F6FD-E570-49E4-ADDB-683FCB8AA891}" type="datetimeFigureOut">
               <a:rPr lang="en-US" smtClean="0"/>
-              <a:t>2/10/2023</a:t>
+              <a:t>4/20/2023</a:t>
             </a:fld>
             <a:endParaRPr lang="en-US"/>
           </a:p>
@@ -2566,7 +2566,7 @@
           <a:p>
             <a:fld id="{4EA1F6FD-E570-49E4-ADDB-683FCB8AA891}" type="datetimeFigureOut">
               <a:rPr lang="en-US" smtClean="0"/>
-              <a:t>2/10/2023</a:t>
+              <a:t>4/20/2023</a:t>
             </a:fld>
             <a:endParaRPr lang="en-US"/>
           </a:p>
@@ -2986,7 +2986,7 @@
           <p:nvPr>
             <p:extLst>
               <p:ext uri="{D42A27DB-BD31-4B8C-83A1-F6EECF244321}">
-                <p14:modId xmlns:p14="http://schemas.microsoft.com/office/powerpoint/2010/main" val="98824864"/>
+                <p14:modId xmlns:p14="http://schemas.microsoft.com/office/powerpoint/2010/main" val="163653123"/>
               </p:ext>
             </p:extLst>
           </p:nvPr>
@@ -4349,7 +4349,7 @@
                           <a:ea typeface="Calibri" panose="020F0502020204030204" pitchFamily="34" charset="0"/>
                           <a:cs typeface="Times New Roman" panose="02020603050405020304" pitchFamily="18" charset="0"/>
                         </a:rPr>
-                        <a:t>Autism spectrum, AD(H), and conduct, disorders</a:t>
+                        <a:t>Autism spectrum, attention-deficit/hyperactivity, and conduct, disorders</a:t>
                       </a:r>
                     </a:p>
                   </a:txBody>
@@ -4716,7 +4716,7 @@
                         </a:spcAft>
                       </a:pPr>
                       <a:r>
-                        <a:rPr lang="en-US" sz="800">
+                        <a:rPr lang="en-US" sz="800" dirty="0">
                           <a:solidFill>
                             <a:srgbClr val="000000"/>
                           </a:solidFill>
@@ -4727,7 +4727,7 @@
                         </a:rPr>
                         <a:t>Included in GBD 2016; classified separately since GBD 2017</a:t>
                       </a:r>
-                      <a:endParaRPr lang="en-US" sz="800">
+                      <a:endParaRPr lang="en-US" sz="800" dirty="0">
                         <a:effectLst/>
                         <a:latin typeface="Times New Roman" panose="02020603050405020304" pitchFamily="18" charset="0"/>
                         <a:ea typeface="Calibri" panose="020F0502020204030204" pitchFamily="34" charset="0"/>
@@ -5793,7 +5793,7 @@
                         </a:spcAft>
                       </a:pPr>
                       <a:r>
-                        <a:rPr lang="en-US" sz="800">
+                        <a:rPr lang="en-US" sz="800" dirty="0">
                           <a:solidFill>
                             <a:srgbClr val="000000"/>
                           </a:solidFill>
@@ -5802,9 +5802,9 @@
                           <a:ea typeface="Calibri" panose="020F0502020204030204" pitchFamily="34" charset="0"/>
                           <a:cs typeface="Times New Roman" panose="02020603050405020304" pitchFamily="18" charset="0"/>
                         </a:rPr>
-                        <a:t>Yes, % of YLLs due to unnatural death based on PAF</a:t>
+                        <a:t>Yes, % of years of life lost (YLLs) due to unnatural death based on population attributable fraction (PAF)</a:t>
                       </a:r>
-                      <a:endParaRPr lang="en-US" sz="800">
+                      <a:endParaRPr lang="en-US" sz="800" dirty="0">
                         <a:effectLst/>
                         <a:latin typeface="Times New Roman" panose="02020603050405020304" pitchFamily="18" charset="0"/>
                         <a:ea typeface="Calibri" panose="020F0502020204030204" pitchFamily="34" charset="0"/>
@@ -5871,10 +5871,10 @@
                           <a:spcPct val="100000"/>
                         </a:lnSpc>
                         <a:spcBef>
-                          <a:spcPts val="600"/>
+                          <a:spcPts val="0"/>
                         </a:spcBef>
                         <a:spcAft>
-                          <a:spcPts val="600"/>
+                          <a:spcPts val="0"/>
                         </a:spcAft>
                       </a:pPr>
                       <a:r>
@@ -5884,7 +5884,29 @@
                           <a:ea typeface="Calibri" panose="020F0502020204030204" pitchFamily="34" charset="0"/>
                           <a:cs typeface="Times New Roman" panose="02020603050405020304" pitchFamily="18" charset="0"/>
                         </a:rPr>
-                        <a:t>Premature mortality due to mental disorders</a:t>
+                        <a:t>Premature mortality due to</a:t>
+                      </a:r>
+                    </a:p>
+                    <a:p>
+                      <a:pPr marL="0" marR="0" algn="r">
+                        <a:lnSpc>
+                          <a:spcPct val="100000"/>
+                        </a:lnSpc>
+                        <a:spcBef>
+                          <a:spcPts val="0"/>
+                        </a:spcBef>
+                        <a:spcAft>
+                          <a:spcPts val="0"/>
+                        </a:spcAft>
+                      </a:pPr>
+                      <a:r>
+                        <a:rPr lang="en-US" sz="800" b="0" i="1" dirty="0">
+                          <a:effectLst/>
+                          <a:latin typeface="Times New Roman" panose="02020603050405020304" pitchFamily="18" charset="0"/>
+                          <a:ea typeface="Calibri" panose="020F0502020204030204" pitchFamily="34" charset="0"/>
+                          <a:cs typeface="Times New Roman" panose="02020603050405020304" pitchFamily="18" charset="0"/>
+                        </a:rPr>
+                        <a:t>mental disorders</a:t>
                       </a:r>
                     </a:p>
                   </a:txBody>
